--- a/sbml-level-3/version-1/comp/Subelement.pptx
+++ b/sbml-level-3/version-1/comp/Subelement.pptx
@@ -192,7 +192,7 @@
           <a:p>
             <a:fld id="{7754A941-C6C2-4027-B1F4-A5E937B2245F}" type="datetimeFigureOut">
               <a:rPr lang="en-US" smtClean="0"/>
-              <a:t>9/16/2010</a:t>
+              <a:t>9/28/2010</a:t>
             </a:fld>
             <a:endParaRPr lang="en-US"/>
           </a:p>
@@ -730,7 +730,7 @@
           <a:p>
             <a:fld id="{F0172217-DC24-48CD-AE89-68C8C8D878B4}" type="datetimeFigureOut">
               <a:rPr lang="en-US" smtClean="0"/>
-              <a:t>9/16/2010</a:t>
+              <a:t>9/28/2010</a:t>
             </a:fld>
             <a:endParaRPr lang="en-US"/>
           </a:p>
@@ -900,7 +900,7 @@
           <a:p>
             <a:fld id="{F0172217-DC24-48CD-AE89-68C8C8D878B4}" type="datetimeFigureOut">
               <a:rPr lang="en-US" smtClean="0"/>
-              <a:t>9/16/2010</a:t>
+              <a:t>9/28/2010</a:t>
             </a:fld>
             <a:endParaRPr lang="en-US"/>
           </a:p>
@@ -1080,7 +1080,7 @@
           <a:p>
             <a:fld id="{F0172217-DC24-48CD-AE89-68C8C8D878B4}" type="datetimeFigureOut">
               <a:rPr lang="en-US" smtClean="0"/>
-              <a:t>9/16/2010</a:t>
+              <a:t>9/28/2010</a:t>
             </a:fld>
             <a:endParaRPr lang="en-US"/>
           </a:p>
@@ -1250,7 +1250,7 @@
           <a:p>
             <a:fld id="{F0172217-DC24-48CD-AE89-68C8C8D878B4}" type="datetimeFigureOut">
               <a:rPr lang="en-US" smtClean="0"/>
-              <a:t>9/16/2010</a:t>
+              <a:t>9/28/2010</a:t>
             </a:fld>
             <a:endParaRPr lang="en-US"/>
           </a:p>
@@ -1496,7 +1496,7 @@
           <a:p>
             <a:fld id="{F0172217-DC24-48CD-AE89-68C8C8D878B4}" type="datetimeFigureOut">
               <a:rPr lang="en-US" smtClean="0"/>
-              <a:t>9/16/2010</a:t>
+              <a:t>9/28/2010</a:t>
             </a:fld>
             <a:endParaRPr lang="en-US"/>
           </a:p>
@@ -1784,7 +1784,7 @@
           <a:p>
             <a:fld id="{F0172217-DC24-48CD-AE89-68C8C8D878B4}" type="datetimeFigureOut">
               <a:rPr lang="en-US" smtClean="0"/>
-              <a:t>9/16/2010</a:t>
+              <a:t>9/28/2010</a:t>
             </a:fld>
             <a:endParaRPr lang="en-US"/>
           </a:p>
@@ -2206,7 +2206,7 @@
           <a:p>
             <a:fld id="{F0172217-DC24-48CD-AE89-68C8C8D878B4}" type="datetimeFigureOut">
               <a:rPr lang="en-US" smtClean="0"/>
-              <a:t>9/16/2010</a:t>
+              <a:t>9/28/2010</a:t>
             </a:fld>
             <a:endParaRPr lang="en-US"/>
           </a:p>
@@ -2324,7 +2324,7 @@
           <a:p>
             <a:fld id="{F0172217-DC24-48CD-AE89-68C8C8D878B4}" type="datetimeFigureOut">
               <a:rPr lang="en-US" smtClean="0"/>
-              <a:t>9/16/2010</a:t>
+              <a:t>9/28/2010</a:t>
             </a:fld>
             <a:endParaRPr lang="en-US"/>
           </a:p>
@@ -2419,7 +2419,7 @@
           <a:p>
             <a:fld id="{F0172217-DC24-48CD-AE89-68C8C8D878B4}" type="datetimeFigureOut">
               <a:rPr lang="en-US" smtClean="0"/>
-              <a:t>9/16/2010</a:t>
+              <a:t>9/28/2010</a:t>
             </a:fld>
             <a:endParaRPr lang="en-US"/>
           </a:p>
@@ -2696,7 +2696,7 @@
           <a:p>
             <a:fld id="{F0172217-DC24-48CD-AE89-68C8C8D878B4}" type="datetimeFigureOut">
               <a:rPr lang="en-US" smtClean="0"/>
-              <a:t>9/16/2010</a:t>
+              <a:t>9/28/2010</a:t>
             </a:fld>
             <a:endParaRPr lang="en-US"/>
           </a:p>
@@ -2949,7 +2949,7 @@
           <a:p>
             <a:fld id="{F0172217-DC24-48CD-AE89-68C8C8D878B4}" type="datetimeFigureOut">
               <a:rPr lang="en-US" smtClean="0"/>
-              <a:t>9/16/2010</a:t>
+              <a:t>9/28/2010</a:t>
             </a:fld>
             <a:endParaRPr lang="en-US"/>
           </a:p>
@@ -3162,7 +3162,7 @@
           <a:p>
             <a:fld id="{F0172217-DC24-48CD-AE89-68C8C8D878B4}" type="datetimeFigureOut">
               <a:rPr lang="en-US" smtClean="0"/>
-              <a:t>9/16/2010</a:t>
+              <a:t>9/28/2010</a:t>
             </a:fld>
             <a:endParaRPr lang="en-US"/>
           </a:p>
@@ -3546,9 +3546,9 @@
         <p:grpSpPr>
           <a:xfrm>
             <a:off x="51293" y="25927"/>
-            <a:ext cx="3920139" cy="1776946"/>
+            <a:ext cx="3920139" cy="1726673"/>
             <a:chOff x="346322" y="109269"/>
-            <a:chExt cx="3920139" cy="1776946"/>
+            <a:chExt cx="3920139" cy="1726673"/>
           </a:xfrm>
         </p:grpSpPr>
         <p:cxnSp>
@@ -3567,7 +3567,7 @@
             </a:prstGeom>
             <a:ln w="6350">
               <a:solidFill>
-                <a:schemeClr val="tx1"/>
+                <a:srgbClr val="0070C0"/>
               </a:solidFill>
             </a:ln>
           </p:spPr>
@@ -3603,7 +3603,7 @@
             <a:noFill/>
             <a:ln w="6350">
               <a:solidFill>
-                <a:srgbClr val="002060"/>
+                <a:srgbClr val="0070C0"/>
               </a:solidFill>
             </a:ln>
           </p:spPr>
@@ -3631,14 +3631,14 @@
               <a:r>
                 <a:rPr lang="en-US" sz="1100" b="1" dirty="0" err="1" smtClean="0">
                   <a:solidFill>
-                    <a:schemeClr val="tx1"/>
+                    <a:srgbClr val="0070C0"/>
                   </a:solidFill>
                 </a:rPr>
                 <a:t>Subelement</a:t>
               </a:r>
               <a:endParaRPr lang="en-US" sz="1100" b="1" dirty="0">
                 <a:solidFill>
-                  <a:schemeClr val="tx1"/>
+                  <a:srgbClr val="0070C0"/>
                 </a:solidFill>
               </a:endParaRPr>
             </a:p>
@@ -3646,7 +3646,7 @@
               <a:r>
                 <a:rPr lang="en-US" sz="900" dirty="0" smtClean="0">
                   <a:solidFill>
-                    <a:schemeClr val="tx1"/>
+                    <a:srgbClr val="0070C0"/>
                   </a:solidFill>
                 </a:rPr>
                 <a:t>submodel: </a:t>
@@ -3654,14 +3654,14 @@
               <a:r>
                 <a:rPr lang="en-US" sz="900" dirty="0" err="1" smtClean="0">
                   <a:solidFill>
-                    <a:schemeClr val="tx1"/>
+                    <a:srgbClr val="0070C0"/>
                   </a:solidFill>
                 </a:rPr>
                 <a:t>SIdRef</a:t>
               </a:r>
               <a:endParaRPr lang="en-US" sz="900" dirty="0" smtClean="0">
                 <a:solidFill>
-                  <a:schemeClr val="tx1"/>
+                  <a:srgbClr val="0070C0"/>
                 </a:solidFill>
               </a:endParaRPr>
             </a:p>
@@ -3669,7 +3669,7 @@
               <a:r>
                 <a:rPr lang="en-US" sz="900" dirty="0" smtClean="0">
                   <a:solidFill>
-                    <a:schemeClr val="tx1"/>
+                    <a:srgbClr val="0070C0"/>
                   </a:solidFill>
                 </a:rPr>
                 <a:t>port: </a:t>
@@ -3677,7 +3677,7 @@
               <a:r>
                 <a:rPr lang="en-US" sz="900" dirty="0" err="1" smtClean="0">
                   <a:solidFill>
-                    <a:schemeClr val="tx1"/>
+                    <a:srgbClr val="0070C0"/>
                   </a:solidFill>
                 </a:rPr>
                 <a:t>PidRef</a:t>
@@ -3685,7 +3685,7 @@
               <a:r>
                 <a:rPr lang="en-US" sz="900" dirty="0" smtClean="0">
                   <a:solidFill>
-                    <a:schemeClr val="tx1"/>
+                    <a:srgbClr val="0070C0"/>
                   </a:solidFill>
                 </a:rPr>
                 <a:t> {use=“optional”}</a:t>
@@ -3695,7 +3695,7 @@
               <a:r>
                 <a:rPr lang="en-US" sz="900" dirty="0" err="1" smtClean="0">
                   <a:solidFill>
-                    <a:schemeClr val="tx1"/>
+                    <a:srgbClr val="0070C0"/>
                   </a:solidFill>
                 </a:rPr>
                 <a:t>idRef</a:t>
@@ -3703,7 +3703,7 @@
               <a:r>
                 <a:rPr lang="en-US" sz="900" dirty="0" smtClean="0">
                   <a:solidFill>
-                    <a:schemeClr val="tx1"/>
+                    <a:srgbClr val="0070C0"/>
                   </a:solidFill>
                 </a:rPr>
                 <a:t>: </a:t>
@@ -3711,7 +3711,7 @@
               <a:r>
                 <a:rPr lang="en-US" sz="900" dirty="0" err="1" smtClean="0">
                   <a:solidFill>
-                    <a:schemeClr val="tx1"/>
+                    <a:srgbClr val="0070C0"/>
                   </a:solidFill>
                 </a:rPr>
                 <a:t>SIdRef</a:t>
@@ -3719,7 +3719,7 @@
               <a:r>
                 <a:rPr lang="en-US" sz="900" dirty="0" smtClean="0">
                   <a:solidFill>
-                    <a:schemeClr val="tx1"/>
+                    <a:srgbClr val="0070C0"/>
                   </a:solidFill>
                 </a:rPr>
                 <a:t> {use=“optional”}</a:t>
@@ -3729,7 +3729,7 @@
               <a:r>
                 <a:rPr lang="en-US" sz="900" dirty="0" err="1" smtClean="0">
                   <a:solidFill>
-                    <a:schemeClr val="tx1"/>
+                    <a:srgbClr val="0070C0"/>
                   </a:solidFill>
                 </a:rPr>
                 <a:t>metaidRef</a:t>
@@ -3737,7 +3737,7 @@
               <a:r>
                 <a:rPr lang="en-US" sz="900" dirty="0" smtClean="0">
                   <a:solidFill>
-                    <a:schemeClr val="tx1"/>
+                    <a:srgbClr val="0070C0"/>
                   </a:solidFill>
                 </a:rPr>
                 <a:t>: </a:t>
@@ -3745,7 +3745,7 @@
               <a:r>
                 <a:rPr lang="en-US" sz="900" dirty="0" err="1" smtClean="0">
                   <a:solidFill>
-                    <a:schemeClr val="tx1"/>
+                    <a:srgbClr val="0070C0"/>
                   </a:solidFill>
                 </a:rPr>
                 <a:t>metaidRef</a:t>
@@ -3753,7 +3753,7 @@
               <a:r>
                 <a:rPr lang="en-US" sz="900" dirty="0" smtClean="0">
                   <a:solidFill>
-                    <a:schemeClr val="tx1"/>
+                    <a:srgbClr val="0070C0"/>
                   </a:solidFill>
                 </a:rPr>
                 <a:t> {use=“optional”}</a:t>
@@ -3763,7 +3763,7 @@
               <a:r>
                 <a:rPr lang="en-US" sz="900" dirty="0" err="1" smtClean="0">
                   <a:solidFill>
-                    <a:schemeClr val="tx1"/>
+                    <a:srgbClr val="0070C0"/>
                   </a:solidFill>
                 </a:rPr>
                 <a:t>xpath:element</a:t>
@@ -3771,7 +3771,7 @@
               <a:r>
                 <a:rPr lang="en-US" sz="900" dirty="0" smtClean="0">
                   <a:solidFill>
-                    <a:schemeClr val="tx1"/>
+                    <a:srgbClr val="0070C0"/>
                   </a:solidFill>
                 </a:rPr>
                 <a:t>: string {use=“optional”}</a:t>
@@ -3781,7 +3781,7 @@
               <a:r>
                 <a:rPr lang="en-US" sz="900" dirty="0" smtClean="0">
                   <a:solidFill>
-                    <a:schemeClr val="tx1"/>
+                    <a:srgbClr val="0070C0"/>
                   </a:solidFill>
                 </a:rPr>
                 <a:t>deletion: </a:t>
@@ -3789,7 +3789,7 @@
               <a:r>
                 <a:rPr lang="en-US" sz="900" dirty="0" err="1" smtClean="0">
                   <a:solidFill>
-                    <a:schemeClr val="tx1"/>
+                    <a:srgbClr val="0070C0"/>
                   </a:solidFill>
                 </a:rPr>
                 <a:t>SIdRef</a:t>
@@ -3797,7 +3797,7 @@
               <a:r>
                 <a:rPr lang="en-US" sz="900" dirty="0" smtClean="0">
                   <a:solidFill>
-                    <a:schemeClr val="tx1"/>
+                    <a:srgbClr val="0070C0"/>
                   </a:solidFill>
                 </a:rPr>
                 <a:t> {use=“optional”}</a:t>
@@ -3806,14 +3806,14 @@
             <a:p>
               <a:endParaRPr lang="en-US" sz="900" dirty="0" smtClean="0">
                 <a:solidFill>
-                  <a:schemeClr val="tx1"/>
+                  <a:srgbClr val="0070C0"/>
                 </a:solidFill>
               </a:endParaRPr>
             </a:p>
             <a:p>
               <a:endParaRPr lang="en-US" sz="900" dirty="0" smtClean="0">
                 <a:solidFill>
-                  <a:schemeClr val="tx1"/>
+                  <a:srgbClr val="0070C0"/>
                 </a:solidFill>
               </a:endParaRPr>
             </a:p>
@@ -3834,11 +3834,11 @@
               <a:avLst/>
             </a:prstGeom>
             <a:solidFill>
-              <a:schemeClr val="tx1"/>
+              <a:srgbClr val="0070C0"/>
             </a:solidFill>
             <a:ln w="6350">
               <a:solidFill>
-                <a:schemeClr val="tx1"/>
+                <a:srgbClr val="0070C0"/>
               </a:solidFill>
             </a:ln>
           </p:spPr>
@@ -3863,7 +3863,11 @@
             <a:lstStyle/>
             <a:p>
               <a:pPr algn="ctr"/>
-              <a:endParaRPr lang="en-US"/>
+              <a:endParaRPr lang="en-US">
+                <a:solidFill>
+                  <a:srgbClr val="0070C0"/>
+                </a:solidFill>
+              </a:endParaRPr>
             </a:p>
           </p:txBody>
         </p:sp>
@@ -3888,7 +3892,7 @@
             </a:prstGeom>
             <a:ln w="6350">
               <a:solidFill>
-                <a:schemeClr val="tx1"/>
+                <a:srgbClr val="0070C0"/>
               </a:solidFill>
             </a:ln>
           </p:spPr>
@@ -3938,7 +3942,7 @@
               <a:noFill/>
               <a:ln w="6350">
                 <a:solidFill>
-                  <a:srgbClr val="002060"/>
+                  <a:schemeClr val="tx1"/>
                 </a:solidFill>
               </a:ln>
             </p:spPr>
@@ -3991,7 +3995,7 @@
               <a:noFill/>
               <a:ln w="6350">
                 <a:solidFill>
-                  <a:srgbClr val="002060"/>
+                  <a:srgbClr val="0070C0"/>
                 </a:solidFill>
               </a:ln>
             </p:spPr>
@@ -4018,7 +4022,7 @@
                 <a:pPr algn="ctr"/>
                 <a:endParaRPr lang="en-US" sz="1100" b="1" dirty="0">
                   <a:solidFill>
-                    <a:schemeClr val="tx1"/>
+                    <a:srgbClr val="0070C0"/>
                   </a:solidFill>
                 </a:endParaRPr>
               </a:p>
@@ -4039,6 +4043,9 @@
             <a:prstGeom prst="rect">
               <a:avLst/>
             </a:prstGeom>
+            <a:ln>
+              <a:noFill/>
+            </a:ln>
           </p:spPr>
           <p:txBody>
             <a:bodyPr wrap="none" lIns="91440" tIns="45720" rIns="91440" bIns="45720">
@@ -4047,21 +4054,41 @@
             <a:lstStyle/>
             <a:p>
               <a:r>
-                <a:rPr lang="en-US" sz="900" dirty="0" err="1"/>
+                <a:rPr lang="en-US" sz="900" dirty="0" err="1">
+                  <a:solidFill>
+                    <a:srgbClr val="0070C0"/>
+                  </a:solidFill>
+                </a:rPr>
                 <a:t>s</a:t>
               </a:r>
               <a:r>
-                <a:rPr lang="en-US" sz="900" dirty="0" err="1" smtClean="0"/>
+                <a:rPr lang="en-US" sz="900" dirty="0" err="1" smtClean="0">
+                  <a:solidFill>
+                    <a:srgbClr val="0070C0"/>
+                  </a:solidFill>
+                </a:rPr>
                 <a:t>ubelement</a:t>
               </a:r>
-              <a:endParaRPr lang="en-US" sz="900" dirty="0" smtClean="0"/>
+              <a:endParaRPr lang="en-US" sz="900" dirty="0" smtClean="0">
+                <a:solidFill>
+                  <a:srgbClr val="0070C0"/>
+                </a:solidFill>
+              </a:endParaRPr>
             </a:p>
             <a:p>
               <a:r>
-                <a:rPr lang="en-US" sz="900" dirty="0" smtClean="0"/>
+                <a:rPr lang="en-US" sz="900" dirty="0" smtClean="0">
+                  <a:solidFill>
+                    <a:srgbClr val="0070C0"/>
+                  </a:solidFill>
+                </a:rPr>
                 <a:t>0,1</a:t>
               </a:r>
-              <a:endParaRPr lang="en-US" sz="900" dirty="0"/>
+              <a:endParaRPr lang="en-US" sz="900" dirty="0">
+                <a:solidFill>
+                  <a:srgbClr val="0070C0"/>
+                </a:solidFill>
+              </a:endParaRPr>
             </a:p>
           </p:txBody>
         </p:sp>
@@ -4077,14 +4104,14 @@
           <p:spPr>
             <a:xfrm flipV="1">
               <a:off x="2236493" y="531301"/>
-              <a:ext cx="1756001" cy="1208446"/>
+              <a:ext cx="1756001" cy="1183310"/>
             </a:xfrm>
             <a:prstGeom prst="bentConnector2">
               <a:avLst/>
             </a:prstGeom>
             <a:ln w="6350">
               <a:solidFill>
-                <a:schemeClr val="tx1"/>
+                <a:srgbClr val="0070C0"/>
               </a:solidFill>
             </a:ln>
           </p:spPr>
@@ -4122,7 +4149,7 @@
             </a:prstGeom>
             <a:ln w="6350">
               <a:solidFill>
-                <a:schemeClr val="tx1"/>
+                <a:srgbClr val="0070C0"/>
               </a:solidFill>
             </a:ln>
           </p:spPr>
@@ -4150,7 +4177,7 @@
           <p:spPr>
             <a:xfrm>
               <a:off x="482887" y="1593279"/>
-              <a:ext cx="1753606" cy="292936"/>
+              <a:ext cx="1753606" cy="242663"/>
             </a:xfrm>
             <a:prstGeom prst="rect">
               <a:avLst/>
@@ -4158,7 +4185,7 @@
             <a:noFill/>
             <a:ln w="6350">
               <a:solidFill>
-                <a:srgbClr val="002060"/>
+                <a:srgbClr val="0070C0"/>
               </a:solidFill>
             </a:ln>
           </p:spPr>
@@ -4186,14 +4213,14 @@
               <a:r>
                 <a:rPr lang="en-US" sz="1100" b="1" dirty="0" err="1" smtClean="0">
                   <a:solidFill>
-                    <a:schemeClr val="tx1"/>
+                    <a:srgbClr val="0070C0"/>
                   </a:solidFill>
                 </a:rPr>
                 <a:t>Subelement</a:t>
               </a:r>
               <a:endParaRPr lang="en-US" sz="1100" b="1" dirty="0" smtClean="0">
                 <a:solidFill>
-                  <a:schemeClr val="tx1"/>
+                  <a:srgbClr val="0070C0"/>
                 </a:solidFill>
               </a:endParaRPr>
             </a:p>

--- a/sbml-level-3/version-1/comp/Subelement.pptx
+++ b/sbml-level-3/version-1/comp/Subelement.pptx
@@ -10,7 +10,7 @@
   <p:sldIdLst>
     <p:sldId id="257" r:id="rId2"/>
   </p:sldIdLst>
-  <p:sldSz cx="4022725" cy="1828800"/>
+  <p:sldSz cx="2925763" cy="1828800"/>
   <p:notesSz cx="6858000" cy="9144000"/>
   <p:defaultTextStyle>
     <a:defPPr>
@@ -192,7 +192,7 @@
           <a:p>
             <a:fld id="{7754A941-C6C2-4027-B1F4-A5E937B2245F}" type="datetimeFigureOut">
               <a:rPr lang="en-US" smtClean="0"/>
-              <a:t>9/28/2010</a:t>
+              <a:t>10/28/2010</a:t>
             </a:fld>
             <a:endParaRPr lang="en-US"/>
           </a:p>
@@ -210,8 +210,8 @@
         </p:nvSpPr>
         <p:spPr>
           <a:xfrm>
-            <a:off x="-341313" y="685800"/>
-            <a:ext cx="7540626" cy="3429000"/>
+            <a:off x="685800" y="685800"/>
+            <a:ext cx="5486400" cy="3429000"/>
           </a:xfrm>
           <a:prstGeom prst="rect">
             <a:avLst/>
@@ -489,8 +489,8 @@
         </p:nvSpPr>
         <p:spPr>
           <a:xfrm>
-            <a:off x="-341313" y="685800"/>
-            <a:ext cx="7540626" cy="3429000"/>
+            <a:off x="685800" y="685800"/>
+            <a:ext cx="5486400" cy="3429000"/>
           </a:xfrm>
         </p:spPr>
       </p:sp>
@@ -578,8 +578,8 @@
         </p:nvSpPr>
         <p:spPr>
           <a:xfrm>
-            <a:off x="301705" y="568117"/>
-            <a:ext cx="3419316" cy="392007"/>
+            <a:off x="219432" y="568119"/>
+            <a:ext cx="2486899" cy="392007"/>
           </a:xfrm>
         </p:spPr>
         <p:txBody>
@@ -606,8 +606,8 @@
         </p:nvSpPr>
         <p:spPr>
           <a:xfrm>
-            <a:off x="603410" y="1036324"/>
-            <a:ext cx="2815908" cy="467359"/>
+            <a:off x="438865" y="1036326"/>
+            <a:ext cx="2048034" cy="467359"/>
           </a:xfrm>
         </p:spPr>
         <p:txBody>
@@ -730,7 +730,7 @@
           <a:p>
             <a:fld id="{F0172217-DC24-48CD-AE89-68C8C8D878B4}" type="datetimeFigureOut">
               <a:rPr lang="en-US" smtClean="0"/>
-              <a:t>9/28/2010</a:t>
+              <a:t>10/28/2010</a:t>
             </a:fld>
             <a:endParaRPr lang="en-US"/>
           </a:p>
@@ -900,7 +900,7 @@
           <a:p>
             <a:fld id="{F0172217-DC24-48CD-AE89-68C8C8D878B4}" type="datetimeFigureOut">
               <a:rPr lang="en-US" smtClean="0"/>
-              <a:t>9/28/2010</a:t>
+              <a:t>10/28/2010</a:t>
             </a:fld>
             <a:endParaRPr lang="en-US"/>
           </a:p>
@@ -990,8 +990,8 @@
         </p:nvSpPr>
         <p:spPr>
           <a:xfrm>
-            <a:off x="2916480" y="73245"/>
-            <a:ext cx="905113" cy="1560407"/>
+            <a:off x="2121182" y="73247"/>
+            <a:ext cx="658297" cy="1560407"/>
           </a:xfrm>
         </p:spPr>
         <p:txBody>
@@ -1018,8 +1018,8 @@
         </p:nvSpPr>
         <p:spPr>
           <a:xfrm>
-            <a:off x="201136" y="73245"/>
-            <a:ext cx="2648294" cy="1560407"/>
+            <a:off x="146288" y="73247"/>
+            <a:ext cx="1926127" cy="1560407"/>
           </a:xfrm>
         </p:spPr>
         <p:txBody>
@@ -1080,7 +1080,7 @@
           <a:p>
             <a:fld id="{F0172217-DC24-48CD-AE89-68C8C8D878B4}" type="datetimeFigureOut">
               <a:rPr lang="en-US" smtClean="0"/>
-              <a:t>9/28/2010</a:t>
+              <a:t>10/28/2010</a:t>
             </a:fld>
             <a:endParaRPr lang="en-US"/>
           </a:p>
@@ -1250,7 +1250,7 @@
           <a:p>
             <a:fld id="{F0172217-DC24-48CD-AE89-68C8C8D878B4}" type="datetimeFigureOut">
               <a:rPr lang="en-US" smtClean="0"/>
-              <a:t>9/28/2010</a:t>
+              <a:t>10/28/2010</a:t>
             </a:fld>
             <a:endParaRPr lang="en-US"/>
           </a:p>
@@ -1340,8 +1340,8 @@
         </p:nvSpPr>
         <p:spPr>
           <a:xfrm>
-            <a:off x="317767" y="1175176"/>
-            <a:ext cx="3419316" cy="363220"/>
+            <a:off x="231114" y="1175176"/>
+            <a:ext cx="2486899" cy="363220"/>
           </a:xfrm>
         </p:spPr>
         <p:txBody>
@@ -1372,8 +1372,8 @@
         </p:nvSpPr>
         <p:spPr>
           <a:xfrm>
-            <a:off x="317767" y="775129"/>
-            <a:ext cx="3419316" cy="400050"/>
+            <a:off x="231114" y="775129"/>
+            <a:ext cx="2486899" cy="400050"/>
           </a:xfrm>
         </p:spPr>
         <p:txBody>
@@ -1496,7 +1496,7 @@
           <a:p>
             <a:fld id="{F0172217-DC24-48CD-AE89-68C8C8D878B4}" type="datetimeFigureOut">
               <a:rPr lang="en-US" smtClean="0"/>
-              <a:t>9/28/2010</a:t>
+              <a:t>10/28/2010</a:t>
             </a:fld>
             <a:endParaRPr lang="en-US"/>
           </a:p>
@@ -1609,8 +1609,8 @@
         </p:nvSpPr>
         <p:spPr>
           <a:xfrm>
-            <a:off x="201136" y="426723"/>
-            <a:ext cx="1776704" cy="1206923"/>
+            <a:off x="146288" y="426723"/>
+            <a:ext cx="1292212" cy="1206923"/>
           </a:xfrm>
         </p:spPr>
         <p:txBody>
@@ -1694,8 +1694,8 @@
         </p:nvSpPr>
         <p:spPr>
           <a:xfrm>
-            <a:off x="2044885" y="426723"/>
-            <a:ext cx="1776704" cy="1206923"/>
+            <a:off x="1487263" y="426723"/>
+            <a:ext cx="1292212" cy="1206923"/>
           </a:xfrm>
         </p:spPr>
         <p:txBody>
@@ -1784,7 +1784,7 @@
           <a:p>
             <a:fld id="{F0172217-DC24-48CD-AE89-68C8C8D878B4}" type="datetimeFigureOut">
               <a:rPr lang="en-US" smtClean="0"/>
-              <a:t>9/28/2010</a:t>
+              <a:t>10/28/2010</a:t>
             </a:fld>
             <a:endParaRPr lang="en-US"/>
           </a:p>
@@ -1901,8 +1901,8 @@
         </p:nvSpPr>
         <p:spPr>
           <a:xfrm>
-            <a:off x="201144" y="409368"/>
-            <a:ext cx="1777404" cy="170603"/>
+            <a:off x="146294" y="409370"/>
+            <a:ext cx="1292721" cy="170603"/>
           </a:xfrm>
         </p:spPr>
         <p:txBody>
@@ -1966,8 +1966,8 @@
         </p:nvSpPr>
         <p:spPr>
           <a:xfrm>
-            <a:off x="201144" y="579971"/>
-            <a:ext cx="1777404" cy="1053678"/>
+            <a:off x="146294" y="579971"/>
+            <a:ext cx="1292721" cy="1053678"/>
           </a:xfrm>
         </p:spPr>
         <p:txBody>
@@ -2051,8 +2051,8 @@
         </p:nvSpPr>
         <p:spPr>
           <a:xfrm>
-            <a:off x="2043501" y="409368"/>
-            <a:ext cx="1778101" cy="170603"/>
+            <a:off x="1486256" y="409370"/>
+            <a:ext cx="1293229" cy="170603"/>
           </a:xfrm>
         </p:spPr>
         <p:txBody>
@@ -2116,8 +2116,8 @@
         </p:nvSpPr>
         <p:spPr>
           <a:xfrm>
-            <a:off x="2043501" y="579971"/>
-            <a:ext cx="1778101" cy="1053678"/>
+            <a:off x="1486256" y="579971"/>
+            <a:ext cx="1293229" cy="1053678"/>
           </a:xfrm>
         </p:spPr>
         <p:txBody>
@@ -2206,7 +2206,7 @@
           <a:p>
             <a:fld id="{F0172217-DC24-48CD-AE89-68C8C8D878B4}" type="datetimeFigureOut">
               <a:rPr lang="en-US" smtClean="0"/>
-              <a:t>9/28/2010</a:t>
+              <a:t>10/28/2010</a:t>
             </a:fld>
             <a:endParaRPr lang="en-US"/>
           </a:p>
@@ -2324,7 +2324,7 @@
           <a:p>
             <a:fld id="{F0172217-DC24-48CD-AE89-68C8C8D878B4}" type="datetimeFigureOut">
               <a:rPr lang="en-US" smtClean="0"/>
-              <a:t>9/28/2010</a:t>
+              <a:t>10/28/2010</a:t>
             </a:fld>
             <a:endParaRPr lang="en-US"/>
           </a:p>
@@ -2419,7 +2419,7 @@
           <a:p>
             <a:fld id="{F0172217-DC24-48CD-AE89-68C8C8D878B4}" type="datetimeFigureOut">
               <a:rPr lang="en-US" smtClean="0"/>
-              <a:t>9/28/2010</a:t>
+              <a:t>10/28/2010</a:t>
             </a:fld>
             <a:endParaRPr lang="en-US"/>
           </a:p>
@@ -2509,8 +2509,8 @@
         </p:nvSpPr>
         <p:spPr>
           <a:xfrm>
-            <a:off x="201145" y="72814"/>
-            <a:ext cx="1323448" cy="309880"/>
+            <a:off x="146295" y="72814"/>
+            <a:ext cx="962555" cy="309880"/>
           </a:xfrm>
         </p:spPr>
         <p:txBody>
@@ -2541,8 +2541,8 @@
         </p:nvSpPr>
         <p:spPr>
           <a:xfrm>
-            <a:off x="1572781" y="72820"/>
-            <a:ext cx="2248816" cy="1560830"/>
+            <a:off x="1143898" y="72820"/>
+            <a:ext cx="1635583" cy="1560830"/>
           </a:xfrm>
         </p:spPr>
         <p:txBody>
@@ -2626,8 +2626,8 @@
         </p:nvSpPr>
         <p:spPr>
           <a:xfrm>
-            <a:off x="201145" y="382697"/>
-            <a:ext cx="1323448" cy="1250950"/>
+            <a:off x="146295" y="382697"/>
+            <a:ext cx="962555" cy="1250950"/>
           </a:xfrm>
         </p:spPr>
         <p:txBody>
@@ -2696,7 +2696,7 @@
           <a:p>
             <a:fld id="{F0172217-DC24-48CD-AE89-68C8C8D878B4}" type="datetimeFigureOut">
               <a:rPr lang="en-US" smtClean="0"/>
-              <a:t>9/28/2010</a:t>
+              <a:t>10/28/2010</a:t>
             </a:fld>
             <a:endParaRPr lang="en-US"/>
           </a:p>
@@ -2786,8 +2786,8 @@
         </p:nvSpPr>
         <p:spPr>
           <a:xfrm>
-            <a:off x="788487" y="1280167"/>
-            <a:ext cx="2413635" cy="151130"/>
+            <a:off x="573474" y="1280167"/>
+            <a:ext cx="1755458" cy="151130"/>
           </a:xfrm>
         </p:spPr>
         <p:txBody>
@@ -2818,8 +2818,8 @@
         </p:nvSpPr>
         <p:spPr>
           <a:xfrm>
-            <a:off x="788487" y="163412"/>
-            <a:ext cx="2413635" cy="1097281"/>
+            <a:off x="573474" y="163414"/>
+            <a:ext cx="1755458" cy="1097281"/>
           </a:xfrm>
         </p:spPr>
         <p:txBody>
@@ -2879,8 +2879,8 @@
         </p:nvSpPr>
         <p:spPr>
           <a:xfrm>
-            <a:off x="788487" y="1431295"/>
-            <a:ext cx="2413635" cy="214630"/>
+            <a:off x="573474" y="1431295"/>
+            <a:ext cx="1755458" cy="214630"/>
           </a:xfrm>
         </p:spPr>
         <p:txBody>
@@ -2949,7 +2949,7 @@
           <a:p>
             <a:fld id="{F0172217-DC24-48CD-AE89-68C8C8D878B4}" type="datetimeFigureOut">
               <a:rPr lang="en-US" smtClean="0"/>
-              <a:t>9/28/2010</a:t>
+              <a:t>10/28/2010</a:t>
             </a:fld>
             <a:endParaRPr lang="en-US"/>
           </a:p>
@@ -3044,8 +3044,8 @@
         </p:nvSpPr>
         <p:spPr>
           <a:xfrm>
-            <a:off x="201139" y="73239"/>
-            <a:ext cx="3620453" cy="304800"/>
+            <a:off x="146291" y="73239"/>
+            <a:ext cx="2633187" cy="304800"/>
           </a:xfrm>
           <a:prstGeom prst="rect">
             <a:avLst/>
@@ -3077,8 +3077,8 @@
         </p:nvSpPr>
         <p:spPr>
           <a:xfrm>
-            <a:off x="201139" y="426723"/>
-            <a:ext cx="3620453" cy="1206923"/>
+            <a:off x="146291" y="426723"/>
+            <a:ext cx="2633187" cy="1206923"/>
           </a:xfrm>
           <a:prstGeom prst="rect">
             <a:avLst/>
@@ -3139,8 +3139,8 @@
         </p:nvSpPr>
         <p:spPr>
           <a:xfrm>
-            <a:off x="201136" y="1695032"/>
-            <a:ext cx="938636" cy="97367"/>
+            <a:off x="146288" y="1695034"/>
+            <a:ext cx="682678" cy="97367"/>
           </a:xfrm>
           <a:prstGeom prst="rect">
             <a:avLst/>
@@ -3162,7 +3162,7 @@
           <a:p>
             <a:fld id="{F0172217-DC24-48CD-AE89-68C8C8D878B4}" type="datetimeFigureOut">
               <a:rPr lang="en-US" smtClean="0"/>
-              <a:t>9/28/2010</a:t>
+              <a:t>10/28/2010</a:t>
             </a:fld>
             <a:endParaRPr lang="en-US"/>
           </a:p>
@@ -3180,8 +3180,8 @@
         </p:nvSpPr>
         <p:spPr>
           <a:xfrm>
-            <a:off x="1374434" y="1695032"/>
-            <a:ext cx="1273863" cy="97367"/>
+            <a:off x="999638" y="1695034"/>
+            <a:ext cx="926492" cy="97367"/>
           </a:xfrm>
           <a:prstGeom prst="rect">
             <a:avLst/>
@@ -3217,8 +3217,8 @@
         </p:nvSpPr>
         <p:spPr>
           <a:xfrm>
-            <a:off x="2882953" y="1695032"/>
-            <a:ext cx="938636" cy="97367"/>
+            <a:off x="2096797" y="1695034"/>
+            <a:ext cx="682678" cy="97367"/>
           </a:xfrm>
           <a:prstGeom prst="rect">
             <a:avLst/>
@@ -3539,28 +3539,28 @@
       </p:grpSpPr>
       <p:grpSp>
         <p:nvGrpSpPr>
-          <p:cNvPr id="103" name="Group 102"/>
+          <p:cNvPr id="35" name="Group 34"/>
           <p:cNvGrpSpPr/>
           <p:nvPr/>
         </p:nvGrpSpPr>
         <p:grpSpPr>
           <a:xfrm>
-            <a:off x="51293" y="25927"/>
-            <a:ext cx="3920139" cy="1726673"/>
-            <a:chOff x="346322" y="109269"/>
-            <a:chExt cx="3920139" cy="1726673"/>
+            <a:off x="38440" y="51063"/>
+            <a:ext cx="2848883" cy="1726674"/>
+            <a:chOff x="346322" y="109268"/>
+            <a:chExt cx="2848883" cy="1726674"/>
           </a:xfrm>
         </p:grpSpPr>
         <p:cxnSp>
           <p:nvCxnSpPr>
-            <p:cNvPr id="104" name="Straight Connector 103"/>
+            <p:cNvPr id="36" name="Straight Connector 35"/>
             <p:cNvCxnSpPr/>
             <p:nvPr/>
           </p:nvCxnSpPr>
           <p:spPr>
             <a:xfrm>
               <a:off x="386236" y="294554"/>
-              <a:ext cx="2764770" cy="0"/>
+              <a:ext cx="2072555" cy="0"/>
             </a:xfrm>
             <a:prstGeom prst="line">
               <a:avLst/>
@@ -3588,14 +3588,14 @@
         </p:cxnSp>
         <p:sp>
           <p:nvSpPr>
-            <p:cNvPr id="105" name="Rectangle 104"/>
+            <p:cNvPr id="37" name="Rectangle 36"/>
             <p:cNvSpPr/>
             <p:nvPr/>
           </p:nvSpPr>
           <p:spPr>
             <a:xfrm>
-              <a:off x="386236" y="109269"/>
-              <a:ext cx="2764770" cy="1045294"/>
+              <a:off x="386236" y="109268"/>
+              <a:ext cx="2072555" cy="1048631"/>
             </a:xfrm>
             <a:prstGeom prst="rect">
               <a:avLst/>
@@ -3644,7 +3644,7 @@
             </a:p>
             <a:p>
               <a:r>
-                <a:rPr lang="en-US" sz="900" dirty="0" smtClean="0">
+                <a:rPr lang="en-US" dirty="0">
                   <a:solidFill>
                     <a:srgbClr val="0070C0"/>
                   </a:solidFill>
@@ -3652,14 +3652,14 @@
                 <a:t>submodel: </a:t>
               </a:r>
               <a:r>
-                <a:rPr lang="en-US" sz="900" dirty="0" err="1" smtClean="0">
+                <a:rPr lang="en-US" dirty="0" err="1">
                   <a:solidFill>
                     <a:srgbClr val="0070C0"/>
                   </a:solidFill>
                 </a:rPr>
                 <a:t>SIdRef</a:t>
               </a:r>
-              <a:endParaRPr lang="en-US" sz="900" dirty="0" smtClean="0">
+              <a:endParaRPr lang="en-US" dirty="0">
                 <a:solidFill>
                   <a:srgbClr val="0070C0"/>
                 </a:solidFill>
@@ -3672,7 +3672,15 @@
                     <a:srgbClr val="0070C0"/>
                   </a:solidFill>
                 </a:rPr>
-                <a:t>port: </a:t>
+                <a:t>port</a:t>
+              </a:r>
+              <a:r>
+                <a:rPr lang="en-US" sz="900" dirty="0" smtClean="0">
+                  <a:solidFill>
+                    <a:srgbClr val="0070C0"/>
+                  </a:solidFill>
+                </a:rPr>
+                <a:t>: </a:t>
               </a:r>
               <a:r>
                 <a:rPr lang="en-US" sz="900" dirty="0" err="1" smtClean="0">
@@ -3821,13 +3829,13 @@
         </p:sp>
         <p:sp>
           <p:nvSpPr>
-            <p:cNvPr id="106" name="Diamond 105"/>
+            <p:cNvPr id="38" name="Diamond 37"/>
             <p:cNvSpPr/>
             <p:nvPr/>
           </p:nvSpPr>
           <p:spPr>
             <a:xfrm>
-              <a:off x="352801" y="1157277"/>
+              <a:off x="352801" y="1157899"/>
               <a:ext cx="66869" cy="167916"/>
             </a:xfrm>
             <a:prstGeom prst="diamond">
@@ -3873,17 +3881,17 @@
         </p:sp>
         <p:cxnSp>
           <p:nvCxnSpPr>
-            <p:cNvPr id="107" name="Elbow Connector 106"/>
+            <p:cNvPr id="39" name="Elbow Connector 38"/>
             <p:cNvCxnSpPr>
-              <a:stCxn id="106" idx="2"/>
-              <a:endCxn id="112" idx="0"/>
+              <a:stCxn id="38" idx="2"/>
+              <a:endCxn id="44" idx="0"/>
             </p:cNvCxnSpPr>
             <p:nvPr/>
           </p:nvCxnSpPr>
           <p:spPr>
             <a:xfrm rot="16200000" flipH="1">
-              <a:off x="738920" y="972509"/>
-              <a:ext cx="268086" cy="973454"/>
+              <a:off x="739231" y="972820"/>
+              <a:ext cx="267464" cy="973454"/>
             </a:xfrm>
             <a:prstGeom prst="bentConnector3">
               <a:avLst>
@@ -3913,27 +3921,27 @@
         </p:cxnSp>
         <p:grpSp>
           <p:nvGrpSpPr>
-            <p:cNvPr id="108" name="Group 107"/>
+            <p:cNvPr id="40" name="Group 39"/>
             <p:cNvGrpSpPr/>
             <p:nvPr/>
           </p:nvGrpSpPr>
           <p:grpSpPr>
             <a:xfrm>
-              <a:off x="3684292" y="109269"/>
+              <a:off x="2613036" y="109269"/>
               <a:ext cx="582169" cy="422032"/>
-              <a:chOff x="4453762" y="214881"/>
+              <a:chOff x="3382506" y="214881"/>
               <a:chExt cx="582169" cy="422032"/>
             </a:xfrm>
           </p:grpSpPr>
           <p:sp>
             <p:nvSpPr>
-              <p:cNvPr id="113" name="Rectangle 112"/>
+              <p:cNvPr id="45" name="Rectangle 44"/>
               <p:cNvSpPr/>
               <p:nvPr/>
             </p:nvSpPr>
             <p:spPr>
               <a:xfrm>
-                <a:off x="4453762" y="214881"/>
+                <a:off x="3382506" y="214881"/>
                 <a:ext cx="582169" cy="304800"/>
               </a:xfrm>
               <a:prstGeom prst="rect">
@@ -3980,13 +3988,13 @@
           </p:sp>
           <p:sp>
             <p:nvSpPr>
-              <p:cNvPr id="114" name="Isosceles Triangle 113"/>
+              <p:cNvPr id="46" name="Isosceles Triangle 45"/>
               <p:cNvSpPr/>
               <p:nvPr/>
             </p:nvSpPr>
             <p:spPr>
               <a:xfrm>
-                <a:off x="4682364" y="522613"/>
+                <a:off x="3593991" y="522613"/>
                 <a:ext cx="159199" cy="114300"/>
               </a:xfrm>
               <a:prstGeom prst="triangle">
@@ -4031,13 +4039,13 @@
         </p:grpSp>
         <p:sp>
           <p:nvSpPr>
-            <p:cNvPr id="109" name="Rectangle 108"/>
+            <p:cNvPr id="41" name="Rectangle 40"/>
             <p:cNvSpPr/>
             <p:nvPr/>
           </p:nvSpPr>
           <p:spPr>
             <a:xfrm>
-              <a:off x="346322" y="1273930"/>
+              <a:off x="346322" y="1272033"/>
               <a:ext cx="744114" cy="369332"/>
             </a:xfrm>
             <a:prstGeom prst="rect">
@@ -4094,17 +4102,17 @@
         </p:sp>
         <p:cxnSp>
           <p:nvCxnSpPr>
-            <p:cNvPr id="110" name="Elbow Connector 109"/>
+            <p:cNvPr id="42" name="Elbow Connector 41"/>
             <p:cNvCxnSpPr>
-              <a:stCxn id="112" idx="3"/>
-              <a:endCxn id="114" idx="3"/>
+              <a:stCxn id="44" idx="3"/>
+              <a:endCxn id="46" idx="3"/>
             </p:cNvCxnSpPr>
             <p:nvPr/>
           </p:nvCxnSpPr>
           <p:spPr>
             <a:xfrm flipV="1">
               <a:off x="2236493" y="531301"/>
-              <a:ext cx="1756001" cy="1183310"/>
+              <a:ext cx="667628" cy="1183310"/>
             </a:xfrm>
             <a:prstGeom prst="bentConnector2">
               <a:avLst/>
@@ -4132,17 +4140,17 @@
         </p:cxnSp>
         <p:cxnSp>
           <p:nvCxnSpPr>
-            <p:cNvPr id="111" name="Elbow Connector 110"/>
+            <p:cNvPr id="43" name="Elbow Connector 42"/>
             <p:cNvCxnSpPr>
-              <a:stCxn id="105" idx="3"/>
-              <a:endCxn id="114" idx="3"/>
+              <a:stCxn id="37" idx="3"/>
+              <a:endCxn id="46" idx="3"/>
             </p:cNvCxnSpPr>
             <p:nvPr/>
           </p:nvCxnSpPr>
           <p:spPr>
             <a:xfrm flipV="1">
-              <a:off x="3151006" y="531301"/>
-              <a:ext cx="841488" cy="100615"/>
+              <a:off x="2458791" y="531301"/>
+              <a:ext cx="445330" cy="102283"/>
             </a:xfrm>
             <a:prstGeom prst="bentConnector2">
               <a:avLst/>
@@ -4170,7 +4178,7 @@
         </p:cxnSp>
         <p:sp>
           <p:nvSpPr>
-            <p:cNvPr id="112" name="Rectangle 111"/>
+            <p:cNvPr id="44" name="Rectangle 43"/>
             <p:cNvSpPr/>
             <p:nvPr/>
           </p:nvSpPr>

--- a/sbml-level-3/version-1/comp/Subelement.pptx
+++ b/sbml-level-3/version-1/comp/Subelement.pptx
@@ -10,7 +10,7 @@
   <p:sldIdLst>
     <p:sldId id="257" r:id="rId2"/>
   </p:sldIdLst>
-  <p:sldSz cx="2925763" cy="1828800"/>
+  <p:sldSz cx="2925763" cy="1646238"/>
   <p:notesSz cx="6858000" cy="9144000"/>
   <p:defaultTextStyle>
     <a:defPPr>
@@ -192,7 +192,7 @@
           <a:p>
             <a:fld id="{7754A941-C6C2-4027-B1F4-A5E937B2245F}" type="datetimeFigureOut">
               <a:rPr lang="en-US" smtClean="0"/>
-              <a:t>10/28/2010</a:t>
+              <a:t>3/15/2011</a:t>
             </a:fld>
             <a:endParaRPr lang="en-US"/>
           </a:p>
@@ -210,8 +210,8 @@
         </p:nvSpPr>
         <p:spPr>
           <a:xfrm>
-            <a:off x="685800" y="685800"/>
-            <a:ext cx="5486400" cy="3429000"/>
+            <a:off x="382588" y="685800"/>
+            <a:ext cx="6092825" cy="3429000"/>
           </a:xfrm>
           <a:prstGeom prst="rect">
             <a:avLst/>
@@ -489,8 +489,8 @@
         </p:nvSpPr>
         <p:spPr>
           <a:xfrm>
-            <a:off x="685800" y="685800"/>
-            <a:ext cx="5486400" cy="3429000"/>
+            <a:off x="382588" y="685800"/>
+            <a:ext cx="6092825" cy="3429000"/>
           </a:xfrm>
         </p:spPr>
       </p:sp>
@@ -578,8 +578,8 @@
         </p:nvSpPr>
         <p:spPr>
           <a:xfrm>
-            <a:off x="219432" y="568119"/>
-            <a:ext cx="2486899" cy="392007"/>
+            <a:off x="219433" y="511407"/>
+            <a:ext cx="2486899" cy="352874"/>
           </a:xfrm>
         </p:spPr>
         <p:txBody>
@@ -606,8 +606,8 @@
         </p:nvSpPr>
         <p:spPr>
           <a:xfrm>
-            <a:off x="438865" y="1036326"/>
-            <a:ext cx="2048034" cy="467359"/>
+            <a:off x="438865" y="932874"/>
+            <a:ext cx="2048034" cy="420704"/>
           </a:xfrm>
         </p:spPr>
         <p:txBody>
@@ -730,7 +730,7 @@
           <a:p>
             <a:fld id="{F0172217-DC24-48CD-AE89-68C8C8D878B4}" type="datetimeFigureOut">
               <a:rPr lang="en-US" smtClean="0"/>
-              <a:t>10/28/2010</a:t>
+              <a:t>3/15/2011</a:t>
             </a:fld>
             <a:endParaRPr lang="en-US"/>
           </a:p>
@@ -900,7 +900,7 @@
           <a:p>
             <a:fld id="{F0172217-DC24-48CD-AE89-68C8C8D878B4}" type="datetimeFigureOut">
               <a:rPr lang="en-US" smtClean="0"/>
-              <a:t>10/28/2010</a:t>
+              <a:t>3/15/2011</a:t>
             </a:fld>
             <a:endParaRPr lang="en-US"/>
           </a:p>
@@ -990,8 +990,8 @@
         </p:nvSpPr>
         <p:spPr>
           <a:xfrm>
-            <a:off x="2121182" y="73247"/>
-            <a:ext cx="658297" cy="1560407"/>
+            <a:off x="2121183" y="65935"/>
+            <a:ext cx="658297" cy="1404638"/>
           </a:xfrm>
         </p:spPr>
         <p:txBody>
@@ -1018,8 +1018,8 @@
         </p:nvSpPr>
         <p:spPr>
           <a:xfrm>
-            <a:off x="146288" y="73247"/>
-            <a:ext cx="1926127" cy="1560407"/>
+            <a:off x="146289" y="65935"/>
+            <a:ext cx="1926127" cy="1404638"/>
           </a:xfrm>
         </p:spPr>
         <p:txBody>
@@ -1080,7 +1080,7 @@
           <a:p>
             <a:fld id="{F0172217-DC24-48CD-AE89-68C8C8D878B4}" type="datetimeFigureOut">
               <a:rPr lang="en-US" smtClean="0"/>
-              <a:t>10/28/2010</a:t>
+              <a:t>3/15/2011</a:t>
             </a:fld>
             <a:endParaRPr lang="en-US"/>
           </a:p>
@@ -1250,7 +1250,7 @@
           <a:p>
             <a:fld id="{F0172217-DC24-48CD-AE89-68C8C8D878B4}" type="datetimeFigureOut">
               <a:rPr lang="en-US" smtClean="0"/>
-              <a:t>10/28/2010</a:t>
+              <a:t>3/15/2011</a:t>
             </a:fld>
             <a:endParaRPr lang="en-US"/>
           </a:p>
@@ -1340,8 +1340,8 @@
         </p:nvSpPr>
         <p:spPr>
           <a:xfrm>
-            <a:off x="231114" y="1175176"/>
-            <a:ext cx="2486899" cy="363220"/>
+            <a:off x="231115" y="1057863"/>
+            <a:ext cx="2486899" cy="326961"/>
           </a:xfrm>
         </p:spPr>
         <p:txBody>
@@ -1372,8 +1372,8 @@
         </p:nvSpPr>
         <p:spPr>
           <a:xfrm>
-            <a:off x="231114" y="775129"/>
-            <a:ext cx="2486899" cy="400050"/>
+            <a:off x="231115" y="697751"/>
+            <a:ext cx="2486899" cy="360115"/>
           </a:xfrm>
         </p:spPr>
         <p:txBody>
@@ -1496,7 +1496,7 @@
           <a:p>
             <a:fld id="{F0172217-DC24-48CD-AE89-68C8C8D878B4}" type="datetimeFigureOut">
               <a:rPr lang="en-US" smtClean="0"/>
-              <a:t>10/28/2010</a:t>
+              <a:t>3/15/2011</a:t>
             </a:fld>
             <a:endParaRPr lang="en-US"/>
           </a:p>
@@ -1609,8 +1609,8 @@
         </p:nvSpPr>
         <p:spPr>
           <a:xfrm>
-            <a:off x="146288" y="426723"/>
-            <a:ext cx="1292212" cy="1206923"/>
+            <a:off x="146288" y="384125"/>
+            <a:ext cx="1292212" cy="1086441"/>
           </a:xfrm>
         </p:spPr>
         <p:txBody>
@@ -1694,8 +1694,8 @@
         </p:nvSpPr>
         <p:spPr>
           <a:xfrm>
-            <a:off x="1487263" y="426723"/>
-            <a:ext cx="1292212" cy="1206923"/>
+            <a:off x="1487263" y="384125"/>
+            <a:ext cx="1292212" cy="1086441"/>
           </a:xfrm>
         </p:spPr>
         <p:txBody>
@@ -1784,7 +1784,7 @@
           <a:p>
             <a:fld id="{F0172217-DC24-48CD-AE89-68C8C8D878B4}" type="datetimeFigureOut">
               <a:rPr lang="en-US" smtClean="0"/>
-              <a:t>10/28/2010</a:t>
+              <a:t>3/15/2011</a:t>
             </a:fld>
             <a:endParaRPr lang="en-US"/>
           </a:p>
@@ -1901,8 +1901,8 @@
         </p:nvSpPr>
         <p:spPr>
           <a:xfrm>
-            <a:off x="146294" y="409370"/>
-            <a:ext cx="1292721" cy="170603"/>
+            <a:off x="146295" y="368505"/>
+            <a:ext cx="1292721" cy="153572"/>
           </a:xfrm>
         </p:spPr>
         <p:txBody>
@@ -1966,8 +1966,8 @@
         </p:nvSpPr>
         <p:spPr>
           <a:xfrm>
-            <a:off x="146294" y="579971"/>
-            <a:ext cx="1292721" cy="1053678"/>
+            <a:off x="146295" y="522075"/>
+            <a:ext cx="1292721" cy="948493"/>
           </a:xfrm>
         </p:spPr>
         <p:txBody>
@@ -2051,8 +2051,8 @@
         </p:nvSpPr>
         <p:spPr>
           <a:xfrm>
-            <a:off x="1486256" y="409370"/>
-            <a:ext cx="1293229" cy="170603"/>
+            <a:off x="1486257" y="368505"/>
+            <a:ext cx="1293229" cy="153572"/>
           </a:xfrm>
         </p:spPr>
         <p:txBody>
@@ -2116,8 +2116,8 @@
         </p:nvSpPr>
         <p:spPr>
           <a:xfrm>
-            <a:off x="1486256" y="579971"/>
-            <a:ext cx="1293229" cy="1053678"/>
+            <a:off x="1486257" y="522075"/>
+            <a:ext cx="1293229" cy="948493"/>
           </a:xfrm>
         </p:spPr>
         <p:txBody>
@@ -2206,7 +2206,7 @@
           <a:p>
             <a:fld id="{F0172217-DC24-48CD-AE89-68C8C8D878B4}" type="datetimeFigureOut">
               <a:rPr lang="en-US" smtClean="0"/>
-              <a:t>10/28/2010</a:t>
+              <a:t>3/15/2011</a:t>
             </a:fld>
             <a:endParaRPr lang="en-US"/>
           </a:p>
@@ -2324,7 +2324,7 @@
           <a:p>
             <a:fld id="{F0172217-DC24-48CD-AE89-68C8C8D878B4}" type="datetimeFigureOut">
               <a:rPr lang="en-US" smtClean="0"/>
-              <a:t>10/28/2010</a:t>
+              <a:t>3/15/2011</a:t>
             </a:fld>
             <a:endParaRPr lang="en-US"/>
           </a:p>
@@ -2419,7 +2419,7 @@
           <a:p>
             <a:fld id="{F0172217-DC24-48CD-AE89-68C8C8D878B4}" type="datetimeFigureOut">
               <a:rPr lang="en-US" smtClean="0"/>
-              <a:t>10/28/2010</a:t>
+              <a:t>3/15/2011</a:t>
             </a:fld>
             <a:endParaRPr lang="en-US"/>
           </a:p>
@@ -2509,8 +2509,8 @@
         </p:nvSpPr>
         <p:spPr>
           <a:xfrm>
-            <a:off x="146295" y="72814"/>
-            <a:ext cx="962555" cy="309880"/>
+            <a:off x="146296" y="65545"/>
+            <a:ext cx="962555" cy="278946"/>
           </a:xfrm>
         </p:spPr>
         <p:txBody>
@@ -2541,8 +2541,8 @@
         </p:nvSpPr>
         <p:spPr>
           <a:xfrm>
-            <a:off x="1143898" y="72820"/>
-            <a:ext cx="1635583" cy="1560830"/>
+            <a:off x="1143899" y="65551"/>
+            <a:ext cx="1635583" cy="1405018"/>
           </a:xfrm>
         </p:spPr>
         <p:txBody>
@@ -2626,8 +2626,8 @@
         </p:nvSpPr>
         <p:spPr>
           <a:xfrm>
-            <a:off x="146295" y="382697"/>
-            <a:ext cx="962555" cy="1250950"/>
+            <a:off x="146296" y="344494"/>
+            <a:ext cx="962555" cy="1126073"/>
           </a:xfrm>
         </p:spPr>
         <p:txBody>
@@ -2696,7 +2696,7 @@
           <a:p>
             <a:fld id="{F0172217-DC24-48CD-AE89-68C8C8D878B4}" type="datetimeFigureOut">
               <a:rPr lang="en-US" smtClean="0"/>
-              <a:t>10/28/2010</a:t>
+              <a:t>3/15/2011</a:t>
             </a:fld>
             <a:endParaRPr lang="en-US"/>
           </a:p>
@@ -2786,8 +2786,8 @@
         </p:nvSpPr>
         <p:spPr>
           <a:xfrm>
-            <a:off x="573474" y="1280167"/>
-            <a:ext cx="1755458" cy="151130"/>
+            <a:off x="573474" y="1152373"/>
+            <a:ext cx="1755458" cy="136043"/>
           </a:xfrm>
         </p:spPr>
         <p:txBody>
@@ -2818,8 +2818,8 @@
         </p:nvSpPr>
         <p:spPr>
           <a:xfrm>
-            <a:off x="573474" y="163414"/>
-            <a:ext cx="1755458" cy="1097281"/>
+            <a:off x="573474" y="147101"/>
+            <a:ext cx="1755458" cy="987744"/>
           </a:xfrm>
         </p:spPr>
         <p:txBody>
@@ -2879,8 +2879,8 @@
         </p:nvSpPr>
         <p:spPr>
           <a:xfrm>
-            <a:off x="573474" y="1431295"/>
-            <a:ext cx="1755458" cy="214630"/>
+            <a:off x="573474" y="1288415"/>
+            <a:ext cx="1755458" cy="193204"/>
           </a:xfrm>
         </p:spPr>
         <p:txBody>
@@ -2949,7 +2949,7 @@
           <a:p>
             <a:fld id="{F0172217-DC24-48CD-AE89-68C8C8D878B4}" type="datetimeFigureOut">
               <a:rPr lang="en-US" smtClean="0"/>
-              <a:t>10/28/2010</a:t>
+              <a:t>3/15/2011</a:t>
             </a:fld>
             <a:endParaRPr lang="en-US"/>
           </a:p>
@@ -3044,8 +3044,8 @@
         </p:nvSpPr>
         <p:spPr>
           <a:xfrm>
-            <a:off x="146291" y="73239"/>
-            <a:ext cx="2633187" cy="304800"/>
+            <a:off x="146292" y="65928"/>
+            <a:ext cx="2633187" cy="274373"/>
           </a:xfrm>
           <a:prstGeom prst="rect">
             <a:avLst/>
@@ -3077,8 +3077,8 @@
         </p:nvSpPr>
         <p:spPr>
           <a:xfrm>
-            <a:off x="146291" y="426723"/>
-            <a:ext cx="2633187" cy="1206923"/>
+            <a:off x="146292" y="384125"/>
+            <a:ext cx="2633187" cy="1086441"/>
           </a:xfrm>
           <a:prstGeom prst="rect">
             <a:avLst/>
@@ -3139,8 +3139,8 @@
         </p:nvSpPr>
         <p:spPr>
           <a:xfrm>
-            <a:off x="146288" y="1695034"/>
-            <a:ext cx="682678" cy="97367"/>
+            <a:off x="146288" y="1525826"/>
+            <a:ext cx="682678" cy="87647"/>
           </a:xfrm>
           <a:prstGeom prst="rect">
             <a:avLst/>
@@ -3162,7 +3162,7 @@
           <a:p>
             <a:fld id="{F0172217-DC24-48CD-AE89-68C8C8D878B4}" type="datetimeFigureOut">
               <a:rPr lang="en-US" smtClean="0"/>
-              <a:t>10/28/2010</a:t>
+              <a:t>3/15/2011</a:t>
             </a:fld>
             <a:endParaRPr lang="en-US"/>
           </a:p>
@@ -3180,8 +3180,8 @@
         </p:nvSpPr>
         <p:spPr>
           <a:xfrm>
-            <a:off x="999638" y="1695034"/>
-            <a:ext cx="926492" cy="97367"/>
+            <a:off x="999638" y="1525826"/>
+            <a:ext cx="926492" cy="87647"/>
           </a:xfrm>
           <a:prstGeom prst="rect">
             <a:avLst/>
@@ -3217,8 +3217,8 @@
         </p:nvSpPr>
         <p:spPr>
           <a:xfrm>
-            <a:off x="2096797" y="1695034"/>
-            <a:ext cx="682678" cy="97367"/>
+            <a:off x="2096797" y="1525826"/>
+            <a:ext cx="682678" cy="87647"/>
           </a:xfrm>
           <a:prstGeom prst="rect">
             <a:avLst/>
@@ -3539,21 +3539,21 @@
       </p:grpSpPr>
       <p:grpSp>
         <p:nvGrpSpPr>
-          <p:cNvPr id="35" name="Group 34"/>
+          <p:cNvPr id="18" name="Group 17"/>
           <p:cNvGrpSpPr/>
           <p:nvPr/>
         </p:nvGrpSpPr>
         <p:grpSpPr>
           <a:xfrm>
             <a:off x="38440" y="51063"/>
-            <a:ext cx="2848883" cy="1726674"/>
+            <a:ext cx="2848883" cy="1563200"/>
             <a:chOff x="346322" y="109268"/>
-            <a:chExt cx="2848883" cy="1726674"/>
+            <a:chExt cx="2848883" cy="1563200"/>
           </a:xfrm>
         </p:grpSpPr>
         <p:cxnSp>
           <p:nvCxnSpPr>
-            <p:cNvPr id="36" name="Straight Connector 35"/>
+            <p:cNvPr id="19" name="Straight Connector 18"/>
             <p:cNvCxnSpPr/>
             <p:nvPr/>
           </p:nvCxnSpPr>
@@ -3588,14 +3588,14 @@
         </p:cxnSp>
         <p:sp>
           <p:nvSpPr>
-            <p:cNvPr id="37" name="Rectangle 36"/>
+            <p:cNvPr id="20" name="Rectangle 19"/>
             <p:cNvSpPr/>
             <p:nvPr/>
           </p:nvSpPr>
           <p:spPr>
             <a:xfrm>
               <a:off x="386236" y="109268"/>
-              <a:ext cx="2072555" cy="1048631"/>
+              <a:ext cx="2072555" cy="939537"/>
             </a:xfrm>
             <a:prstGeom prst="rect">
               <a:avLst/>
@@ -3672,15 +3672,7 @@
                     <a:srgbClr val="0070C0"/>
                   </a:solidFill>
                 </a:rPr>
-                <a:t>port</a:t>
-              </a:r>
-              <a:r>
-                <a:rPr lang="en-US" sz="900" dirty="0" smtClean="0">
-                  <a:solidFill>
-                    <a:srgbClr val="0070C0"/>
-                  </a:solidFill>
-                </a:rPr>
-                <a:t>: </a:t>
+                <a:t>port: </a:t>
               </a:r>
               <a:r>
                 <a:rPr lang="en-US" sz="900" dirty="0" err="1" smtClean="0">
@@ -3723,40 +3715,6 @@
                   </a:solidFill>
                 </a:rPr>
                 <a:t>SIdRef</a:t>
-              </a:r>
-              <a:r>
-                <a:rPr lang="en-US" sz="900" dirty="0" smtClean="0">
-                  <a:solidFill>
-                    <a:srgbClr val="0070C0"/>
-                  </a:solidFill>
-                </a:rPr>
-                <a:t> {use=“optional”}</a:t>
-              </a:r>
-            </a:p>
-            <a:p>
-              <a:r>
-                <a:rPr lang="en-US" sz="900" dirty="0" err="1" smtClean="0">
-                  <a:solidFill>
-                    <a:srgbClr val="0070C0"/>
-                  </a:solidFill>
-                </a:rPr>
-                <a:t>metaidRef</a:t>
-              </a:r>
-              <a:r>
-                <a:rPr lang="en-US" sz="900" dirty="0" smtClean="0">
-                  <a:solidFill>
-                    <a:srgbClr val="0070C0"/>
-                  </a:solidFill>
-                </a:rPr>
-                <a:t>: </a:t>
-              </a:r>
-              <a:r>
-                <a:rPr lang="en-US" sz="900" dirty="0" err="1" smtClean="0">
-                  <a:solidFill>
-                    <a:srgbClr val="0070C0"/>
-                  </a:solidFill>
-                </a:rPr>
-                <a:t>metaidRef</a:t>
               </a:r>
               <a:r>
                 <a:rPr lang="en-US" sz="900" dirty="0" smtClean="0">
@@ -3829,13 +3787,13 @@
         </p:sp>
         <p:sp>
           <p:nvSpPr>
-            <p:cNvPr id="38" name="Diamond 37"/>
+            <p:cNvPr id="21" name="Diamond 20"/>
             <p:cNvSpPr/>
             <p:nvPr/>
           </p:nvSpPr>
           <p:spPr>
             <a:xfrm>
-              <a:off x="352801" y="1157899"/>
+              <a:off x="352801" y="1048805"/>
               <a:ext cx="66869" cy="167916"/>
             </a:xfrm>
             <a:prstGeom prst="diamond">
@@ -3881,17 +3839,17 @@
         </p:sp>
         <p:cxnSp>
           <p:nvCxnSpPr>
-            <p:cNvPr id="39" name="Elbow Connector 38"/>
+            <p:cNvPr id="22" name="Elbow Connector 21"/>
             <p:cNvCxnSpPr>
-              <a:stCxn id="38" idx="2"/>
-              <a:endCxn id="44" idx="0"/>
+              <a:stCxn id="21" idx="2"/>
+              <a:endCxn id="27" idx="0"/>
             </p:cNvCxnSpPr>
             <p:nvPr/>
           </p:nvCxnSpPr>
           <p:spPr>
             <a:xfrm rot="16200000" flipH="1">
-              <a:off x="739231" y="972820"/>
-              <a:ext cx="267464" cy="973454"/>
+              <a:off x="766421" y="836536"/>
+              <a:ext cx="213084" cy="973454"/>
             </a:xfrm>
             <a:prstGeom prst="bentConnector3">
               <a:avLst>
@@ -3921,7 +3879,7 @@
         </p:cxnSp>
         <p:grpSp>
           <p:nvGrpSpPr>
-            <p:cNvPr id="40" name="Group 39"/>
+            <p:cNvPr id="23" name="Group 22"/>
             <p:cNvGrpSpPr/>
             <p:nvPr/>
           </p:nvGrpSpPr>
@@ -3935,7 +3893,7 @@
           </p:grpSpPr>
           <p:sp>
             <p:nvSpPr>
-              <p:cNvPr id="45" name="Rectangle 44"/>
+              <p:cNvPr id="28" name="Rectangle 27"/>
               <p:cNvSpPr/>
               <p:nvPr/>
             </p:nvSpPr>
@@ -3988,7 +3946,7 @@
           </p:sp>
           <p:sp>
             <p:nvSpPr>
-              <p:cNvPr id="46" name="Isosceles Triangle 45"/>
+              <p:cNvPr id="29" name="Isosceles Triangle 28"/>
               <p:cNvSpPr/>
               <p:nvPr/>
             </p:nvSpPr>
@@ -4039,13 +3997,13 @@
         </p:grpSp>
         <p:sp>
           <p:nvSpPr>
-            <p:cNvPr id="41" name="Rectangle 40"/>
+            <p:cNvPr id="24" name="Rectangle 23"/>
             <p:cNvSpPr/>
             <p:nvPr/>
           </p:nvSpPr>
           <p:spPr>
             <a:xfrm>
-              <a:off x="346322" y="1272033"/>
+              <a:off x="346322" y="1125005"/>
               <a:ext cx="744114" cy="369332"/>
             </a:xfrm>
             <a:prstGeom prst="rect">
@@ -4102,17 +4060,17 @@
         </p:sp>
         <p:cxnSp>
           <p:nvCxnSpPr>
-            <p:cNvPr id="42" name="Elbow Connector 41"/>
+            <p:cNvPr id="25" name="Elbow Connector 24"/>
             <p:cNvCxnSpPr>
-              <a:stCxn id="44" idx="3"/>
-              <a:endCxn id="46" idx="3"/>
+              <a:stCxn id="27" idx="3"/>
+              <a:endCxn id="29" idx="3"/>
             </p:cNvCxnSpPr>
             <p:nvPr/>
           </p:nvCxnSpPr>
           <p:spPr>
             <a:xfrm flipV="1">
               <a:off x="2236493" y="531301"/>
-              <a:ext cx="667628" cy="1183310"/>
+              <a:ext cx="667628" cy="1019836"/>
             </a:xfrm>
             <a:prstGeom prst="bentConnector2">
               <a:avLst/>
@@ -4140,17 +4098,17 @@
         </p:cxnSp>
         <p:cxnSp>
           <p:nvCxnSpPr>
-            <p:cNvPr id="43" name="Elbow Connector 42"/>
+            <p:cNvPr id="26" name="Elbow Connector 25"/>
             <p:cNvCxnSpPr>
-              <a:stCxn id="37" idx="3"/>
-              <a:endCxn id="46" idx="3"/>
+              <a:stCxn id="20" idx="3"/>
+              <a:endCxn id="29" idx="3"/>
             </p:cNvCxnSpPr>
             <p:nvPr/>
           </p:nvCxnSpPr>
           <p:spPr>
             <a:xfrm flipV="1">
               <a:off x="2458791" y="531301"/>
-              <a:ext cx="445330" cy="102283"/>
+              <a:ext cx="445330" cy="47736"/>
             </a:xfrm>
             <a:prstGeom prst="bentConnector2">
               <a:avLst/>
@@ -4178,13 +4136,13 @@
         </p:cxnSp>
         <p:sp>
           <p:nvSpPr>
-            <p:cNvPr id="44" name="Rectangle 43"/>
+            <p:cNvPr id="27" name="Rectangle 26"/>
             <p:cNvSpPr/>
             <p:nvPr/>
           </p:nvSpPr>
           <p:spPr>
             <a:xfrm>
-              <a:off x="482887" y="1593279"/>
+              <a:off x="482887" y="1429805"/>
               <a:ext cx="1753606" cy="242663"/>
             </a:xfrm>
             <a:prstGeom prst="rect">
